--- a/Poster/poster284.pptx
+++ b/Poster/poster284.pptx
@@ -2308,7 +2308,7 @@
         </p:nvSpPr>
         <p:spPr bwMode="auto">
           <a:xfrm>
-            <a:off x="626745" y="17130395"/>
+            <a:off x="914400" y="17130395"/>
             <a:ext cx="10100310" cy="1447800"/>
           </a:xfrm>
           <a:prstGeom prst="rect">
@@ -2384,8 +2384,8 @@
         </p:blipFill>
         <p:spPr>
           <a:xfrm>
-            <a:off x="25014555" y="6848475"/>
-            <a:ext cx="5031740" cy="3392170"/>
+            <a:off x="25128220" y="6848475"/>
+            <a:ext cx="4703445" cy="3170555"/>
           </a:xfrm>
           <a:prstGeom prst="rect">
             <a:avLst/>
@@ -2402,8 +2402,8 @@
         </p:nvSpPr>
         <p:spPr bwMode="auto">
           <a:xfrm>
-            <a:off x="23508970" y="18688685"/>
-            <a:ext cx="8078470" cy="835660"/>
+            <a:off x="22866985" y="18300065"/>
+            <a:ext cx="9653270" cy="1579880"/>
           </a:xfrm>
           <a:prstGeom prst="rect">
             <a:avLst/>
@@ -2428,7 +2428,7 @@
             </a:pPr>
             <a:r>
               <a:rPr lang="en-US" sz="4840" b="1" dirty="0"/>
-              <a:t>Alpha7: Huffman encoding</a:t>
+              <a:t>Alpha7&amp;8: Huffman encoding&amp;decoder</a:t>
             </a:r>
             <a:endParaRPr lang="en-US" sz="4840" b="1" dirty="0"/>
           </a:p>
@@ -2450,8 +2450,8 @@
         </p:blipFill>
         <p:spPr>
           <a:xfrm>
-            <a:off x="24938990" y="19666585"/>
-            <a:ext cx="5379720" cy="1990725"/>
+            <a:off x="28813125" y="20515580"/>
+            <a:ext cx="3415665" cy="2896235"/>
           </a:xfrm>
           <a:prstGeom prst="rect">
             <a:avLst/>
@@ -2468,7 +2468,7 @@
         </p:nvSpPr>
         <p:spPr bwMode="auto">
           <a:xfrm>
-            <a:off x="23418575" y="10424205"/>
+            <a:off x="23418575" y="10064160"/>
             <a:ext cx="8078470" cy="835660"/>
           </a:xfrm>
           <a:prstGeom prst="rect">
@@ -2508,7 +2508,7 @@
         </p:nvSpPr>
         <p:spPr>
           <a:xfrm>
-            <a:off x="23797714" y="11121072"/>
+            <a:off x="23797714" y="10882312"/>
             <a:ext cx="7699556" cy="1076325"/>
           </a:xfrm>
           <a:prstGeom prst="rect">
@@ -2557,7 +2557,7 @@
         </p:blipFill>
         <p:spPr>
           <a:xfrm>
-            <a:off x="23797895" y="12246610"/>
+            <a:off x="23797895" y="11820525"/>
             <a:ext cx="7130415" cy="3068955"/>
           </a:xfrm>
           <a:prstGeom prst="rect">
@@ -2575,7 +2575,7 @@
         </p:nvSpPr>
         <p:spPr bwMode="auto">
           <a:xfrm>
-            <a:off x="22971125" y="15305405"/>
+            <a:off x="22971125" y="14849475"/>
             <a:ext cx="9017000" cy="835660"/>
           </a:xfrm>
           <a:prstGeom prst="rect">
@@ -2626,8 +2626,32 @@
         </p:blipFill>
         <p:spPr>
           <a:xfrm>
-            <a:off x="25343485" y="16141065"/>
+            <a:off x="25343485" y="15810230"/>
             <a:ext cx="4229100" cy="2547620"/>
+          </a:xfrm>
+          <a:prstGeom prst="rect">
+            <a:avLst/>
+          </a:prstGeom>
+        </p:spPr>
+      </p:pic>
+      <p:pic>
+        <p:nvPicPr>
+          <p:cNvPr id="22" name="图片 21"/>
+          <p:cNvPicPr>
+            <a:picLocks noChangeAspect="1"/>
+          </p:cNvPicPr>
+          <p:nvPr/>
+        </p:nvPicPr>
+        <p:blipFill>
+          <a:blip r:embed="rId14"/>
+          <a:stretch>
+            <a:fillRect/>
+          </a:stretch>
+        </p:blipFill>
+        <p:spPr>
+          <a:xfrm>
+            <a:off x="22011640" y="19879945"/>
+            <a:ext cx="6801485" cy="4253230"/>
           </a:xfrm>
           <a:prstGeom prst="rect">
             <a:avLst/>
